--- a/new_SE401/Lectures/6-Unit Testing and Junit/Unit Testing and JUnit.pptx
+++ b/new_SE401/Lectures/6-Unit Testing and Junit/Unit Testing and JUnit.pptx
@@ -269,7 +269,7 @@
           <a:p>
             <a:fld id="{FDCF9676-2199-4465-A5AC-D069EEB5BB59}" type="datetimeFigureOut">
               <a:rPr lang="en-US" smtClean="0"/>
-              <a:t>10/18/2021</a:t>
+              <a:t>11/28/2021</a:t>
             </a:fld>
             <a:endParaRPr lang="en-US"/>
           </a:p>
@@ -2514,7 +2514,7 @@
           <a:p>
             <a:fld id="{B2F5E2FA-C428-4CE7-95B0-168D3259A5BB}" type="datetimeFigureOut">
               <a:rPr lang="en-US" smtClean="0"/>
-              <a:t>10/18/2021</a:t>
+              <a:t>11/28/2021</a:t>
             </a:fld>
             <a:endParaRPr lang="en-US"/>
           </a:p>
@@ -2765,7 +2765,7 @@
           <a:p>
             <a:fld id="{B2F5E2FA-C428-4CE7-95B0-168D3259A5BB}" type="datetimeFigureOut">
               <a:rPr lang="en-US" smtClean="0"/>
-              <a:t>10/18/2021</a:t>
+              <a:t>11/28/2021</a:t>
             </a:fld>
             <a:endParaRPr lang="en-US"/>
           </a:p>
@@ -2945,7 +2945,7 @@
           <a:p>
             <a:fld id="{B2F5E2FA-C428-4CE7-95B0-168D3259A5BB}" type="datetimeFigureOut">
               <a:rPr lang="en-US" smtClean="0"/>
-              <a:t>10/18/2021</a:t>
+              <a:t>11/28/2021</a:t>
             </a:fld>
             <a:endParaRPr lang="en-US"/>
           </a:p>
@@ -3201,7 +3201,7 @@
           <a:p>
             <a:fld id="{B2F5E2FA-C428-4CE7-95B0-168D3259A5BB}" type="datetimeFigureOut">
               <a:rPr lang="en-US" smtClean="0"/>
-              <a:t>10/18/2021</a:t>
+              <a:t>11/28/2021</a:t>
             </a:fld>
             <a:endParaRPr lang="en-US"/>
           </a:p>
@@ -3546,7 +3546,7 @@
           <a:p>
             <a:fld id="{B2F5E2FA-C428-4CE7-95B0-168D3259A5BB}" type="datetimeFigureOut">
               <a:rPr lang="en-US" smtClean="0"/>
-              <a:t>10/18/2021</a:t>
+              <a:t>11/28/2021</a:t>
             </a:fld>
             <a:endParaRPr lang="en-US"/>
           </a:p>
@@ -3778,7 +3778,7 @@
           <a:p>
             <a:fld id="{B2F5E2FA-C428-4CE7-95B0-168D3259A5BB}" type="datetimeFigureOut">
               <a:rPr lang="en-US" smtClean="0"/>
-              <a:t>10/18/2021</a:t>
+              <a:t>11/28/2021</a:t>
             </a:fld>
             <a:endParaRPr lang="en-US"/>
           </a:p>
@@ -4145,7 +4145,7 @@
           <a:p>
             <a:fld id="{B2F5E2FA-C428-4CE7-95B0-168D3259A5BB}" type="datetimeFigureOut">
               <a:rPr lang="en-US" smtClean="0"/>
-              <a:t>10/18/2021</a:t>
+              <a:t>11/28/2021</a:t>
             </a:fld>
             <a:endParaRPr lang="en-US"/>
           </a:p>
@@ -4240,7 +4240,7 @@
           <a:p>
             <a:fld id="{B2F5E2FA-C428-4CE7-95B0-168D3259A5BB}" type="datetimeFigureOut">
               <a:rPr lang="en-US" smtClean="0"/>
-              <a:t>10/18/2021</a:t>
+              <a:t>11/28/2021</a:t>
             </a:fld>
             <a:endParaRPr lang="en-US"/>
           </a:p>
@@ -4463,7 +4463,7 @@
             <a:fld id="{B2F5E2FA-C428-4CE7-95B0-168D3259A5BB}" type="datetimeFigureOut">
               <a:rPr lang="en-US" smtClean="0"/>
               <a:pPr/>
-              <a:t>10/18/2021</a:t>
+              <a:t>11/28/2021</a:t>
             </a:fld>
             <a:endParaRPr lang="en-US"/>
           </a:p>
@@ -4634,7 +4634,7 @@
           <a:p>
             <a:fld id="{B2F5E2FA-C428-4CE7-95B0-168D3259A5BB}" type="datetimeFigureOut">
               <a:rPr lang="en-US" smtClean="0"/>
-              <a:t>10/18/2021</a:t>
+              <a:t>11/28/2021</a:t>
             </a:fld>
             <a:endParaRPr lang="en-US"/>
           </a:p>
@@ -4911,7 +4911,7 @@
           <a:p>
             <a:fld id="{B2F5E2FA-C428-4CE7-95B0-168D3259A5BB}" type="datetimeFigureOut">
               <a:rPr lang="en-US" smtClean="0"/>
-              <a:t>10/18/2021</a:t>
+              <a:t>11/28/2021</a:t>
             </a:fld>
             <a:endParaRPr lang="en-US"/>
           </a:p>
@@ -5164,7 +5164,7 @@
           <a:p>
             <a:fld id="{B2F5E2FA-C428-4CE7-95B0-168D3259A5BB}" type="datetimeFigureOut">
               <a:rPr lang="en-US" smtClean="0"/>
-              <a:t>10/18/2021</a:t>
+              <a:t>11/28/2021</a:t>
             </a:fld>
             <a:endParaRPr lang="en-US"/>
           </a:p>
@@ -5377,7 +5377,7 @@
           <a:p>
             <a:fld id="{B2F5E2FA-C428-4CE7-95B0-168D3259A5BB}" type="datetimeFigureOut">
               <a:rPr lang="en-US" smtClean="0"/>
-              <a:t>10/18/2021</a:t>
+              <a:t>11/28/2021</a:t>
             </a:fld>
             <a:endParaRPr lang="en-US"/>
           </a:p>
@@ -5801,7 +5801,6 @@
               <a:rPr lang="en-US" dirty="0"/>
               <a:t>Unit Testing and JUnit</a:t>
             </a:r>
-            <a:endParaRPr lang="en-US" dirty="0"/>
           </a:p>
         </p:txBody>
       </p:sp>
@@ -5820,6 +5819,10 @@
           <a:bodyPr/>
           <a:lstStyle/>
           <a:p>
+            <a:r>
+              <a:rPr lang="en-US"/>
+              <a:t>SE401: Software Quality Assurance and Testing</a:t>
+            </a:r>
             <a:endParaRPr lang="en-US"/>
           </a:p>
         </p:txBody>
@@ -8734,7 +8737,6 @@
               <a:rPr lang="en-US" dirty="0"/>
               <a:t>Test Case Verdicts</a:t>
             </a:r>
-            <a:endParaRPr lang="en-US" dirty="0"/>
           </a:p>
         </p:txBody>
       </p:sp>
@@ -11166,7 +11168,7 @@
           <a:effectLst/>
           <a:extLst>
             <a:ext uri="{AF507438-7753-43e0-B8FC-AC1667EBCBE1}">
-              <a14:hiddenEffects xmlns="" xmlns:a14="http://schemas.microsoft.com/office/drawing/2010/main">
+              <a14:hiddenEffects xmlns:a14="http://schemas.microsoft.com/office/drawing/2010/main" xmlns="">
                 <a:effectLst>
                   <a:outerShdw blurRad="63500" dist="38099" dir="2700000" algn="ctr" rotWithShape="0">
                     <a:schemeClr val="bg2">
@@ -11239,12 +11241,12 @@
           <a:effectLst/>
           <a:extLst>
             <a:ext uri="{909E8E84-426E-40dd-AFC4-6F175D3DCCD1}">
-              <a14:hiddenFill xmlns="" xmlns:a14="http://schemas.microsoft.com/office/drawing/2010/main">
+              <a14:hiddenFill xmlns:a14="http://schemas.microsoft.com/office/drawing/2010/main" xmlns="">
                 <a:noFill/>
               </a14:hiddenFill>
             </a:ext>
             <a:ext uri="{AF507438-7753-43e0-B8FC-AC1667EBCBE1}">
-              <a14:hiddenEffects xmlns="" xmlns:a14="http://schemas.microsoft.com/office/drawing/2010/main">
+              <a14:hiddenEffects xmlns:a14="http://schemas.microsoft.com/office/drawing/2010/main" xmlns="">
                 <a:effectLst>
                   <a:outerShdw blurRad="63500" dist="38099" dir="2700000" algn="ctr" rotWithShape="0">
                     <a:schemeClr val="bg2">
@@ -11659,7 +11661,7 @@
           <a:effectLst/>
           <a:extLst>
             <a:ext uri="{AF507438-7753-43e0-B8FC-AC1667EBCBE1}">
-              <a14:hiddenEffects xmlns="" xmlns:a14="http://schemas.microsoft.com/office/drawing/2010/main">
+              <a14:hiddenEffects xmlns:a14="http://schemas.microsoft.com/office/drawing/2010/main" xmlns="">
                 <a:effectLst>
                   <a:outerShdw blurRad="63500" dist="38099" dir="2700000" algn="ctr" rotWithShape="0">
                     <a:schemeClr val="bg2">
@@ -11755,12 +11757,12 @@
           <a:effectLst/>
           <a:extLst>
             <a:ext uri="{909E8E84-426E-40dd-AFC4-6F175D3DCCD1}">
-              <a14:hiddenFill xmlns="" xmlns:a14="http://schemas.microsoft.com/office/drawing/2010/main">
+              <a14:hiddenFill xmlns:a14="http://schemas.microsoft.com/office/drawing/2010/main" xmlns="">
                 <a:noFill/>
               </a14:hiddenFill>
             </a:ext>
             <a:ext uri="{AF507438-7753-43e0-B8FC-AC1667EBCBE1}">
-              <a14:hiddenEffects xmlns="" xmlns:a14="http://schemas.microsoft.com/office/drawing/2010/main">
+              <a14:hiddenEffects xmlns:a14="http://schemas.microsoft.com/office/drawing/2010/main" xmlns="">
                 <a:effectLst>
                   <a:outerShdw blurRad="63500" dist="38099" dir="2700000" algn="ctr" rotWithShape="0">
                     <a:schemeClr val="bg2">
@@ -12185,7 +12187,7 @@
           <a:effectLst/>
           <a:extLst>
             <a:ext uri="{AF507438-7753-43e0-B8FC-AC1667EBCBE1}">
-              <a14:hiddenEffects xmlns="" xmlns:a14="http://schemas.microsoft.com/office/drawing/2010/main">
+              <a14:hiddenEffects xmlns:a14="http://schemas.microsoft.com/office/drawing/2010/main" xmlns="">
                 <a:effectLst>
                   <a:outerShdw blurRad="63500" dist="38099" dir="2700000" algn="ctr" rotWithShape="0">
                     <a:schemeClr val="bg2">
@@ -12277,12 +12279,12 @@
           <a:effectLst/>
           <a:extLst>
             <a:ext uri="{909E8E84-426E-40dd-AFC4-6F175D3DCCD1}">
-              <a14:hiddenFill xmlns="" xmlns:a14="http://schemas.microsoft.com/office/drawing/2010/main">
+              <a14:hiddenFill xmlns:a14="http://schemas.microsoft.com/office/drawing/2010/main" xmlns="">
                 <a:noFill/>
               </a14:hiddenFill>
             </a:ext>
             <a:ext uri="{AF507438-7753-43e0-B8FC-AC1667EBCBE1}">
-              <a14:hiddenEffects xmlns="" xmlns:a14="http://schemas.microsoft.com/office/drawing/2010/main">
+              <a14:hiddenEffects xmlns:a14="http://schemas.microsoft.com/office/drawing/2010/main" xmlns="">
                 <a:effectLst>
                   <a:outerShdw blurRad="63500" dist="38099" dir="2700000" algn="ctr" rotWithShape="0">
                     <a:schemeClr val="bg2">
@@ -12335,12 +12337,12 @@
           <a:effectLst/>
           <a:extLst>
             <a:ext uri="{909E8E84-426E-40dd-AFC4-6F175D3DCCD1}">
-              <a14:hiddenFill xmlns="" xmlns:a14="http://schemas.microsoft.com/office/drawing/2010/main">
+              <a14:hiddenFill xmlns:a14="http://schemas.microsoft.com/office/drawing/2010/main" xmlns="">
                 <a:noFill/>
               </a14:hiddenFill>
             </a:ext>
             <a:ext uri="{AF507438-7753-43e0-B8FC-AC1667EBCBE1}">
-              <a14:hiddenEffects xmlns="" xmlns:a14="http://schemas.microsoft.com/office/drawing/2010/main">
+              <a14:hiddenEffects xmlns:a14="http://schemas.microsoft.com/office/drawing/2010/main" xmlns="">
                 <a:effectLst>
                   <a:outerShdw blurRad="63500" dist="38099" dir="2700000" algn="ctr" rotWithShape="0">
                     <a:schemeClr val="bg2">
@@ -12761,7 +12763,7 @@
           <a:effectLst/>
           <a:extLst>
             <a:ext uri="{AF507438-7753-43e0-B8FC-AC1667EBCBE1}">
-              <a14:hiddenEffects xmlns="" xmlns:a14="http://schemas.microsoft.com/office/drawing/2010/main">
+              <a14:hiddenEffects xmlns:a14="http://schemas.microsoft.com/office/drawing/2010/main" xmlns="">
                 <a:effectLst>
                   <a:outerShdw blurRad="63500" dist="38099" dir="2700000" algn="ctr" rotWithShape="0">
                     <a:schemeClr val="bg2">
@@ -12852,12 +12854,12 @@
           <a:effectLst/>
           <a:extLst>
             <a:ext uri="{909E8E84-426E-40dd-AFC4-6F175D3DCCD1}">
-              <a14:hiddenFill xmlns="" xmlns:a14="http://schemas.microsoft.com/office/drawing/2010/main">
+              <a14:hiddenFill xmlns:a14="http://schemas.microsoft.com/office/drawing/2010/main" xmlns="">
                 <a:noFill/>
               </a14:hiddenFill>
             </a:ext>
             <a:ext uri="{AF507438-7753-43e0-B8FC-AC1667EBCBE1}">
-              <a14:hiddenEffects xmlns="" xmlns:a14="http://schemas.microsoft.com/office/drawing/2010/main">
+              <a14:hiddenEffects xmlns:a14="http://schemas.microsoft.com/office/drawing/2010/main" xmlns="">
                 <a:effectLst>
                   <a:outerShdw blurRad="63500" dist="38099" dir="2700000" algn="ctr" rotWithShape="0">
                     <a:schemeClr val="bg2">
@@ -13433,13 +13435,6 @@
               </a:rPr>
               <a:t>JUnit1.rar</a:t>
             </a:r>
-            <a:endParaRPr lang="en-US" dirty="0" smtClean="0">
-              <a:solidFill>
-                <a:srgbClr val="000090"/>
-              </a:solidFill>
-              <a:latin typeface="+mj-lt"/>
-              <a:cs typeface="Gill Sans"/>
-            </a:endParaRPr>
           </a:p>
           <a:p>
             <a:pPr lvl="1"/>
@@ -13518,12 +13513,6 @@
               </a:rPr>
               <a:t>BinarySearch.java</a:t>
             </a:r>
-            <a:endParaRPr lang="en-US" dirty="0" smtClean="0">
-              <a:solidFill>
-                <a:srgbClr val="000090"/>
-              </a:solidFill>
-              <a:latin typeface="+mn-lt"/>
-            </a:endParaRPr>
           </a:p>
           <a:p>
             <a:pPr lvl="1"/>
